--- a/Отчет октябрь (1).pptx
+++ b/Отчет октябрь (1).pptx
@@ -15,7 +15,8 @@
     <p:sldId id="271" r:id="rId9"/>
     <p:sldId id="268" r:id="rId10"/>
     <p:sldId id="272" r:id="rId11"/>
-    <p:sldId id="269" r:id="rId12"/>
+    <p:sldId id="273" r:id="rId12"/>
+    <p:sldId id="269" r:id="rId13"/>
   </p:sldIdLst>
   <p:sldSz cx="12192000" cy="6858000"/>
   <p:notesSz cx="6858000" cy="9144000"/>
@@ -261,7 +262,7 @@
           <a:p>
             <a:fld id="{48A87A34-81AB-432B-8DAE-1953F412C126}" type="datetimeFigureOut">
               <a:rPr lang="en-US" dirty="0"/>
-              <a:t>10/23/2020</a:t>
+              <a:t>10/24/2020</a:t>
             </a:fld>
             <a:endParaRPr lang="en-US" dirty="0"/>
           </a:p>
@@ -467,7 +468,7 @@
           <a:p>
             <a:fld id="{48A87A34-81AB-432B-8DAE-1953F412C126}" type="datetimeFigureOut">
               <a:rPr lang="en-US" dirty="0"/>
-              <a:t>10/23/2020</a:t>
+              <a:t>10/24/2020</a:t>
             </a:fld>
             <a:endParaRPr lang="en-US" dirty="0"/>
           </a:p>
@@ -677,7 +678,7 @@
           <a:p>
             <a:fld id="{48A87A34-81AB-432B-8DAE-1953F412C126}" type="datetimeFigureOut">
               <a:rPr lang="en-US" dirty="0"/>
-              <a:t>10/23/2020</a:t>
+              <a:t>10/24/2020</a:t>
             </a:fld>
             <a:endParaRPr lang="en-US" dirty="0"/>
           </a:p>
@@ -873,7 +874,7 @@
           <a:p>
             <a:fld id="{48A87A34-81AB-432B-8DAE-1953F412C126}" type="datetimeFigureOut">
               <a:rPr lang="en-US" dirty="0"/>
-              <a:t>10/23/2020</a:t>
+              <a:t>10/24/2020</a:t>
             </a:fld>
             <a:endParaRPr lang="en-US" dirty="0"/>
           </a:p>
@@ -1147,7 +1148,7 @@
           <a:p>
             <a:fld id="{48A87A34-81AB-432B-8DAE-1953F412C126}" type="datetimeFigureOut">
               <a:rPr lang="en-US" dirty="0"/>
-              <a:t>10/23/2020</a:t>
+              <a:t>10/24/2020</a:t>
             </a:fld>
             <a:endParaRPr lang="en-US" dirty="0"/>
           </a:p>
@@ -1410,7 +1411,7 @@
           <a:p>
             <a:fld id="{48A87A34-81AB-432B-8DAE-1953F412C126}" type="datetimeFigureOut">
               <a:rPr lang="en-US" dirty="0"/>
-              <a:t>10/23/2020</a:t>
+              <a:t>10/24/2020</a:t>
             </a:fld>
             <a:endParaRPr lang="en-US" dirty="0"/>
           </a:p>
@@ -1821,7 +1822,7 @@
           <a:p>
             <a:fld id="{48A87A34-81AB-432B-8DAE-1953F412C126}" type="datetimeFigureOut">
               <a:rPr lang="en-US" dirty="0"/>
-              <a:t>10/23/2020</a:t>
+              <a:t>10/24/2020</a:t>
             </a:fld>
             <a:endParaRPr lang="en-US" dirty="0"/>
           </a:p>
@@ -1965,7 +1966,7 @@
           <a:p>
             <a:fld id="{48A87A34-81AB-432B-8DAE-1953F412C126}" type="datetimeFigureOut">
               <a:rPr lang="en-US" dirty="0"/>
-              <a:t>10/23/2020</a:t>
+              <a:t>10/24/2020</a:t>
             </a:fld>
             <a:endParaRPr lang="en-US" dirty="0"/>
           </a:p>
@@ -2086,7 +2087,7 @@
           <a:p>
             <a:fld id="{48A87A34-81AB-432B-8DAE-1953F412C126}" type="datetimeFigureOut">
               <a:rPr lang="en-US" dirty="0"/>
-              <a:t>10/23/2020</a:t>
+              <a:t>10/24/2020</a:t>
             </a:fld>
             <a:endParaRPr lang="en-US" dirty="0"/>
           </a:p>
@@ -2332,7 +2333,7 @@
           <a:p>
             <a:fld id="{48A87A34-81AB-432B-8DAE-1953F412C126}" type="datetimeFigureOut">
               <a:rPr lang="en-US" dirty="0"/>
-              <a:t>10/23/2020</a:t>
+              <a:t>10/24/2020</a:t>
             </a:fld>
             <a:endParaRPr lang="en-US" dirty="0"/>
           </a:p>
@@ -2773,7 +2774,7 @@
             <a:fld id="{48A87A34-81AB-432B-8DAE-1953F412C126}" type="datetimeFigureOut">
               <a:rPr lang="en-US" dirty="0"/>
               <a:pPr/>
-              <a:t>10/23/2020</a:t>
+              <a:t>10/24/2020</a:t>
             </a:fld>
             <a:endParaRPr lang="en-US" dirty="0"/>
           </a:p>
@@ -3096,7 +3097,7 @@
             <a:fld id="{48A87A34-81AB-432B-8DAE-1953F412C126}" type="datetimeFigureOut">
               <a:rPr lang="en-US" dirty="0"/>
               <a:pPr/>
-              <a:t>10/23/2020</a:t>
+              <a:t>10/24/2020</a:t>
             </a:fld>
             <a:endParaRPr lang="en-US" dirty="0"/>
           </a:p>
@@ -4148,6 +4149,438 @@
               <a:rPr lang="ru-RU" sz="4000" dirty="0">
                 <a:latin typeface="Bahnschrift Light" panose="020B0502040204020203" pitchFamily="34" charset="0"/>
               </a:rPr>
+              <a:t>Состав команды</a:t>
+            </a:r>
+          </a:p>
+        </p:txBody>
+      </p:sp>
+      <p:sp>
+        <p:nvSpPr>
+          <p:cNvPr id="3" name="Объект 2">
+            <a:extLst>
+              <a:ext uri="{FF2B5EF4-FFF2-40B4-BE49-F238E27FC236}">
+                <a16:creationId xmlns:a16="http://schemas.microsoft.com/office/drawing/2014/main" id="{056F7F77-FCF0-42A4-A409-6E0ED368A600}"/>
+              </a:ext>
+            </a:extLst>
+          </p:cNvPr>
+          <p:cNvSpPr txBox="1">
+            <a:spLocks/>
+          </p:cNvSpPr>
+          <p:nvPr/>
+        </p:nvSpPr>
+        <p:spPr>
+          <a:xfrm>
+            <a:off x="648070" y="1107194"/>
+            <a:ext cx="10928413" cy="4830043"/>
+          </a:xfrm>
+          <a:prstGeom prst="rect">
+            <a:avLst/>
+          </a:prstGeom>
+        </p:spPr>
+        <p:txBody>
+          <a:bodyPr>
+            <a:normAutofit/>
+          </a:bodyPr>
+          <a:lstStyle>
+            <a:lvl1pPr marL="228600" indent="-228600" algn="l" defTabSz="914400" rtl="0" eaLnBrk="1" latinLnBrk="0" hangingPunct="1">
+              <a:lnSpc>
+                <a:spcPct val="120000"/>
+              </a:lnSpc>
+              <a:spcBef>
+                <a:spcPts val="1000"/>
+              </a:spcBef>
+              <a:buClr>
+                <a:schemeClr val="accent1"/>
+              </a:buClr>
+              <a:buSzPct val="100000"/>
+              <a:buFont typeface="Arial" panose="020B0604020202020204" pitchFamily="34" charset="0"/>
+              <a:buChar char="•"/>
+              <a:defRPr sz="2000" kern="1200">
+                <a:solidFill>
+                  <a:schemeClr val="tx1"/>
+                </a:solidFill>
+                <a:effectLst/>
+                <a:latin typeface="+mn-lt"/>
+                <a:ea typeface="+mn-ea"/>
+                <a:cs typeface="+mn-cs"/>
+              </a:defRPr>
+            </a:lvl1pPr>
+            <a:lvl2pPr marL="685800" indent="-228600" algn="l" defTabSz="914400" rtl="0" eaLnBrk="1" latinLnBrk="0" hangingPunct="1">
+              <a:lnSpc>
+                <a:spcPct val="120000"/>
+              </a:lnSpc>
+              <a:spcBef>
+                <a:spcPts val="500"/>
+              </a:spcBef>
+              <a:buClr>
+                <a:schemeClr val="accent1"/>
+              </a:buClr>
+              <a:buSzPct val="100000"/>
+              <a:buFont typeface="Arial" panose="020B0604020202020204" pitchFamily="34" charset="0"/>
+              <a:buChar char="•"/>
+              <a:defRPr sz="1800" kern="1200" cap="none" baseline="0">
+                <a:solidFill>
+                  <a:schemeClr val="tx1"/>
+                </a:solidFill>
+                <a:effectLst/>
+                <a:latin typeface="+mn-lt"/>
+                <a:ea typeface="+mn-ea"/>
+                <a:cs typeface="+mn-cs"/>
+              </a:defRPr>
+            </a:lvl2pPr>
+            <a:lvl3pPr marL="1143000" indent="-228600" algn="l" defTabSz="914400" rtl="0" eaLnBrk="1" latinLnBrk="0" hangingPunct="1">
+              <a:lnSpc>
+                <a:spcPct val="120000"/>
+              </a:lnSpc>
+              <a:spcBef>
+                <a:spcPts val="500"/>
+              </a:spcBef>
+              <a:buClr>
+                <a:schemeClr val="accent1"/>
+              </a:buClr>
+              <a:buSzPct val="100000"/>
+              <a:buFont typeface="Arial" panose="020B0604020202020204" pitchFamily="34" charset="0"/>
+              <a:buChar char="•"/>
+              <a:defRPr sz="1600" kern="1200">
+                <a:solidFill>
+                  <a:schemeClr val="tx1"/>
+                </a:solidFill>
+                <a:effectLst/>
+                <a:latin typeface="+mn-lt"/>
+                <a:ea typeface="+mn-ea"/>
+                <a:cs typeface="+mn-cs"/>
+              </a:defRPr>
+            </a:lvl3pPr>
+            <a:lvl4pPr marL="1600200" indent="-228600" algn="l" defTabSz="914400" rtl="0" eaLnBrk="1" latinLnBrk="0" hangingPunct="1">
+              <a:lnSpc>
+                <a:spcPct val="120000"/>
+              </a:lnSpc>
+              <a:spcBef>
+                <a:spcPts val="500"/>
+              </a:spcBef>
+              <a:buClr>
+                <a:schemeClr val="accent1"/>
+              </a:buClr>
+              <a:buSzPct val="100000"/>
+              <a:buFont typeface="Arial" panose="020B0604020202020204" pitchFamily="34" charset="0"/>
+              <a:buChar char="•"/>
+              <a:defRPr sz="1400" kern="1200" cap="none" baseline="0">
+                <a:solidFill>
+                  <a:schemeClr val="tx1"/>
+                </a:solidFill>
+                <a:effectLst/>
+                <a:latin typeface="+mn-lt"/>
+                <a:ea typeface="+mn-ea"/>
+                <a:cs typeface="+mn-cs"/>
+              </a:defRPr>
+            </a:lvl4pPr>
+            <a:lvl5pPr marL="2057400" indent="-228600" algn="l" defTabSz="914400" rtl="0" eaLnBrk="1" latinLnBrk="0" hangingPunct="1">
+              <a:lnSpc>
+                <a:spcPct val="120000"/>
+              </a:lnSpc>
+              <a:spcBef>
+                <a:spcPts val="500"/>
+              </a:spcBef>
+              <a:buClr>
+                <a:schemeClr val="accent1"/>
+              </a:buClr>
+              <a:buSzPct val="100000"/>
+              <a:buFont typeface="Arial" panose="020B0604020202020204" pitchFamily="34" charset="0"/>
+              <a:buChar char="•"/>
+              <a:defRPr sz="1200" kern="1200">
+                <a:solidFill>
+                  <a:schemeClr val="tx1"/>
+                </a:solidFill>
+                <a:effectLst/>
+                <a:latin typeface="+mn-lt"/>
+                <a:ea typeface="+mn-ea"/>
+                <a:cs typeface="+mn-cs"/>
+              </a:defRPr>
+            </a:lvl5pPr>
+            <a:lvl6pPr marL="2514600" indent="-228600" algn="l" defTabSz="914400" rtl="0" eaLnBrk="1" latinLnBrk="0" hangingPunct="1">
+              <a:lnSpc>
+                <a:spcPct val="120000"/>
+              </a:lnSpc>
+              <a:spcBef>
+                <a:spcPts val="500"/>
+              </a:spcBef>
+              <a:buClr>
+                <a:schemeClr val="accent1"/>
+              </a:buClr>
+              <a:buSzPct val="100000"/>
+              <a:buFont typeface="Arial" panose="020B0604020202020204" pitchFamily="34" charset="0"/>
+              <a:buChar char="•"/>
+              <a:defRPr sz="1200" kern="1200">
+                <a:solidFill>
+                  <a:schemeClr val="tx1"/>
+                </a:solidFill>
+                <a:effectLst/>
+                <a:latin typeface="+mn-lt"/>
+                <a:ea typeface="+mn-ea"/>
+                <a:cs typeface="+mn-cs"/>
+              </a:defRPr>
+            </a:lvl6pPr>
+            <a:lvl7pPr marL="2971800" indent="-228600" algn="l" defTabSz="914400" rtl="0" eaLnBrk="1" latinLnBrk="0" hangingPunct="1">
+              <a:lnSpc>
+                <a:spcPct val="120000"/>
+              </a:lnSpc>
+              <a:spcBef>
+                <a:spcPts val="500"/>
+              </a:spcBef>
+              <a:buClr>
+                <a:schemeClr val="accent1"/>
+              </a:buClr>
+              <a:buSzPct val="100000"/>
+              <a:buFont typeface="Arial" panose="020B0604020202020204" pitchFamily="34" charset="0"/>
+              <a:buChar char="•"/>
+              <a:defRPr sz="1200" kern="1200">
+                <a:solidFill>
+                  <a:schemeClr val="tx1"/>
+                </a:solidFill>
+                <a:effectLst/>
+                <a:latin typeface="+mn-lt"/>
+                <a:ea typeface="+mn-ea"/>
+                <a:cs typeface="+mn-cs"/>
+              </a:defRPr>
+            </a:lvl7pPr>
+            <a:lvl8pPr marL="3429000" indent="-228600" algn="l" defTabSz="914400" rtl="0" eaLnBrk="1" latinLnBrk="0" hangingPunct="1">
+              <a:lnSpc>
+                <a:spcPct val="120000"/>
+              </a:lnSpc>
+              <a:spcBef>
+                <a:spcPts val="500"/>
+              </a:spcBef>
+              <a:buClr>
+                <a:schemeClr val="accent1"/>
+              </a:buClr>
+              <a:buSzPct val="100000"/>
+              <a:buFont typeface="Arial" panose="020B0604020202020204" pitchFamily="34" charset="0"/>
+              <a:buChar char="•"/>
+              <a:defRPr sz="1200" kern="1200" baseline="0">
+                <a:solidFill>
+                  <a:schemeClr val="tx1"/>
+                </a:solidFill>
+                <a:effectLst/>
+                <a:latin typeface="+mn-lt"/>
+                <a:ea typeface="+mn-ea"/>
+                <a:cs typeface="+mn-cs"/>
+              </a:defRPr>
+            </a:lvl8pPr>
+            <a:lvl9pPr marL="3886200" indent="-228600" algn="l" defTabSz="914400" rtl="0" eaLnBrk="1" latinLnBrk="0" hangingPunct="1">
+              <a:lnSpc>
+                <a:spcPct val="120000"/>
+              </a:lnSpc>
+              <a:spcBef>
+                <a:spcPts val="500"/>
+              </a:spcBef>
+              <a:buClr>
+                <a:schemeClr val="accent1"/>
+              </a:buClr>
+              <a:buSzPct val="100000"/>
+              <a:buFont typeface="Arial" panose="020B0604020202020204" pitchFamily="34" charset="0"/>
+              <a:buChar char="•"/>
+              <a:defRPr sz="1200" kern="1200" baseline="0">
+                <a:solidFill>
+                  <a:schemeClr val="tx1"/>
+                </a:solidFill>
+                <a:effectLst/>
+                <a:latin typeface="+mn-lt"/>
+                <a:ea typeface="+mn-ea"/>
+                <a:cs typeface="+mn-cs"/>
+              </a:defRPr>
+            </a:lvl9pPr>
+          </a:lstStyle>
+          <a:p>
+            <a:r>
+              <a:rPr lang="ru-RU" sz="3200" dirty="0">
+                <a:latin typeface="Bahnschrift Light" panose="020B0502040204020203" pitchFamily="34" charset="0"/>
+              </a:rPr>
+              <a:t>Елесина Татьяна – ответственная за бэкенд</a:t>
+            </a:r>
+          </a:p>
+          <a:p>
+            <a:r>
+              <a:rPr lang="ru-RU" sz="3200" dirty="0">
+                <a:latin typeface="Bahnschrift Light" panose="020B0502040204020203" pitchFamily="34" charset="0"/>
+              </a:rPr>
+              <a:t>Левитан Олег – ответственный за 2</a:t>
+            </a:r>
+            <a:r>
+              <a:rPr lang="en-US" sz="3200" dirty="0">
+                <a:latin typeface="Bahnschrift Light" panose="020B0502040204020203" pitchFamily="34" charset="0"/>
+              </a:rPr>
+              <a:t>D</a:t>
+            </a:r>
+            <a:r>
+              <a:rPr lang="ru-RU" sz="3200" dirty="0">
+                <a:latin typeface="Bahnschrift Light" panose="020B0502040204020203" pitchFamily="34" charset="0"/>
+              </a:rPr>
+              <a:t> </a:t>
+            </a:r>
+            <a:r>
+              <a:rPr lang="ru-RU" sz="3200" dirty="0" err="1">
+                <a:latin typeface="Bahnschrift Light" panose="020B0502040204020203" pitchFamily="34" charset="0"/>
+              </a:rPr>
+              <a:t>фронтэнд</a:t>
+            </a:r>
+            <a:endParaRPr lang="en-US" sz="3200" dirty="0">
+              <a:latin typeface="Bahnschrift Light" panose="020B0502040204020203" pitchFamily="34" charset="0"/>
+            </a:endParaRPr>
+          </a:p>
+          <a:p>
+            <a:r>
+              <a:rPr lang="ru-RU" sz="3200" dirty="0">
+                <a:latin typeface="Bahnschrift Light" panose="020B0502040204020203" pitchFamily="34" charset="0"/>
+              </a:rPr>
+              <a:t>Яшин Егор – ответственный за 3</a:t>
+            </a:r>
+            <a:r>
+              <a:rPr lang="en-US" sz="3200" dirty="0">
+                <a:latin typeface="Bahnschrift Light" panose="020B0502040204020203" pitchFamily="34" charset="0"/>
+              </a:rPr>
+              <a:t>D</a:t>
+            </a:r>
+            <a:r>
+              <a:rPr lang="ru-RU" sz="3200" dirty="0">
+                <a:latin typeface="Bahnschrift Light" panose="020B0502040204020203" pitchFamily="34" charset="0"/>
+              </a:rPr>
+              <a:t> </a:t>
+            </a:r>
+            <a:r>
+              <a:rPr lang="ru-RU" sz="3200" dirty="0" err="1">
+                <a:latin typeface="Bahnschrift Light" panose="020B0502040204020203" pitchFamily="34" charset="0"/>
+              </a:rPr>
+              <a:t>фронтэнд</a:t>
+            </a:r>
+            <a:endParaRPr lang="en-US" sz="3200" dirty="0">
+              <a:latin typeface="Bahnschrift Light" panose="020B0502040204020203" pitchFamily="34" charset="0"/>
+            </a:endParaRPr>
+          </a:p>
+        </p:txBody>
+      </p:sp>
+      <p:cxnSp>
+        <p:nvCxnSpPr>
+          <p:cNvPr id="7" name="Прямая соединительная линия 6">
+            <a:extLst>
+              <a:ext uri="{FF2B5EF4-FFF2-40B4-BE49-F238E27FC236}">
+                <a16:creationId xmlns:a16="http://schemas.microsoft.com/office/drawing/2014/main" id="{86059211-463A-4204-B55A-91B418261AA5}"/>
+              </a:ext>
+            </a:extLst>
+          </p:cNvPr>
+          <p:cNvCxnSpPr/>
+          <p:nvPr/>
+        </p:nvCxnSpPr>
+        <p:spPr>
+          <a:xfrm>
+            <a:off x="2876365" y="920763"/>
+            <a:ext cx="8495930" cy="0"/>
+          </a:xfrm>
+          <a:prstGeom prst="line">
+            <a:avLst/>
+          </a:prstGeom>
+          <a:ln w="19050">
+            <a:solidFill>
+              <a:srgbClr val="64421D"/>
+            </a:solidFill>
+          </a:ln>
+        </p:spPr>
+        <p:style>
+          <a:lnRef idx="1">
+            <a:schemeClr val="accent1"/>
+          </a:lnRef>
+          <a:fillRef idx="0">
+            <a:schemeClr val="accent1"/>
+          </a:fillRef>
+          <a:effectRef idx="0">
+            <a:schemeClr val="accent1"/>
+          </a:effectRef>
+          <a:fontRef idx="minor">
+            <a:schemeClr val="tx1"/>
+          </a:fontRef>
+        </p:style>
+      </p:cxnSp>
+    </p:spTree>
+    <p:extLst>
+      <p:ext uri="{BB962C8B-B14F-4D97-AF65-F5344CB8AC3E}">
+        <p14:creationId xmlns:p14="http://schemas.microsoft.com/office/powerpoint/2010/main" val="2147977017"/>
+      </p:ext>
+    </p:extLst>
+  </p:cSld>
+  <p:clrMapOvr>
+    <a:masterClrMapping/>
+  </p:clrMapOvr>
+</p:sld>
+</file>
+
+<file path=ppt/slides/slide12.xml><?xml version="1.0" encoding="utf-8"?>
+<p:sld xmlns:a="http://schemas.openxmlformats.org/drawingml/2006/main" xmlns:r="http://schemas.openxmlformats.org/officeDocument/2006/relationships" xmlns:p="http://schemas.openxmlformats.org/presentationml/2006/main">
+  <p:cSld>
+    <p:spTree>
+      <p:nvGrpSpPr>
+        <p:cNvPr id="1" name=""/>
+        <p:cNvGrpSpPr/>
+        <p:nvPr/>
+      </p:nvGrpSpPr>
+      <p:grpSpPr>
+        <a:xfrm>
+          <a:off x="0" y="0"/>
+          <a:ext cx="0" cy="0"/>
+          <a:chOff x="0" y="0"/>
+          <a:chExt cx="0" cy="0"/>
+        </a:xfrm>
+      </p:grpSpPr>
+      <p:sp>
+        <p:nvSpPr>
+          <p:cNvPr id="2" name="Заголовок 1">
+            <a:extLst>
+              <a:ext uri="{FF2B5EF4-FFF2-40B4-BE49-F238E27FC236}">
+                <a16:creationId xmlns:a16="http://schemas.microsoft.com/office/drawing/2014/main" id="{123399B2-B50F-47BD-B76E-36467151B034}"/>
+              </a:ext>
+            </a:extLst>
+          </p:cNvPr>
+          <p:cNvSpPr txBox="1">
+            <a:spLocks/>
+          </p:cNvSpPr>
+          <p:nvPr/>
+        </p:nvSpPr>
+        <p:spPr>
+          <a:xfrm>
+            <a:off x="3500761" y="304864"/>
+            <a:ext cx="9603275" cy="1049235"/>
+          </a:xfrm>
+          <a:prstGeom prst="rect">
+            <a:avLst/>
+          </a:prstGeom>
+        </p:spPr>
+        <p:txBody>
+          <a:bodyPr>
+            <a:normAutofit/>
+          </a:bodyPr>
+          <a:lstStyle>
+            <a:lvl1pPr algn="l" defTabSz="914400" rtl="0" eaLnBrk="1" latinLnBrk="0" hangingPunct="1">
+              <a:lnSpc>
+                <a:spcPct val="90000"/>
+              </a:lnSpc>
+              <a:spcBef>
+                <a:spcPct val="0"/>
+              </a:spcBef>
+              <a:buNone/>
+              <a:defRPr sz="3200" b="0" i="0" kern="1200" cap="all">
+                <a:solidFill>
+                  <a:schemeClr val="tx1"/>
+                </a:solidFill>
+                <a:effectLst/>
+                <a:latin typeface="+mj-lt"/>
+                <a:ea typeface="+mj-ea"/>
+                <a:cs typeface="+mj-cs"/>
+              </a:defRPr>
+            </a:lvl1pPr>
+          </a:lstStyle>
+          <a:p>
+            <a:r>
+              <a:rPr lang="ru-RU" sz="4000" dirty="0">
+                <a:latin typeface="Bahnschrift Light" panose="020B0502040204020203" pitchFamily="34" charset="0"/>
+              </a:rPr>
               <a:t>Использованные источники</a:t>
             </a:r>
           </a:p>
@@ -7988,7 +8421,7 @@
         <p:spPr>
           <a:xfrm>
             <a:off x="275136" y="1519966"/>
-            <a:ext cx="4669656" cy="4829335"/>
+            <a:ext cx="4649202" cy="4829335"/>
           </a:xfrm>
           <a:prstGeom prst="rect">
             <a:avLst/>
@@ -7996,7 +8429,7 @@
         </p:spPr>
         <p:txBody>
           <a:bodyPr>
-            <a:normAutofit/>
+            <a:normAutofit fontScale="85000" lnSpcReduction="10000"/>
           </a:bodyPr>
           <a:lstStyle>
             <a:lvl1pPr marL="228600" indent="-228600" algn="l" defTabSz="914400" rtl="0" eaLnBrk="1" latinLnBrk="0" hangingPunct="1">
@@ -8212,7 +8645,50 @@
               <a:rPr lang="ru-RU" sz="2800" dirty="0">
                 <a:latin typeface="Bahnschrift Light" panose="020B0502040204020203" pitchFamily="34" charset="0"/>
               </a:rPr>
-              <a:t>текст</a:t>
+              <a:t>Загрузка модели</a:t>
+            </a:r>
+          </a:p>
+          <a:p>
+            <a:r>
+              <a:rPr lang="ru-RU" sz="2800" dirty="0">
+                <a:latin typeface="Bahnschrift Light" panose="020B0502040204020203" pitchFamily="34" charset="0"/>
+              </a:rPr>
+              <a:t>Вращения модели</a:t>
+            </a:r>
+          </a:p>
+          <a:p>
+            <a:r>
+              <a:rPr lang="ru-RU" sz="2800" dirty="0">
+                <a:latin typeface="Bahnschrift Light" panose="020B0502040204020203" pitchFamily="34" charset="0"/>
+              </a:rPr>
+              <a:t>Приближение и отдаление камеры</a:t>
+            </a:r>
+          </a:p>
+          <a:p>
+            <a:r>
+              <a:rPr lang="ru-RU" sz="2800" dirty="0">
+                <a:latin typeface="Bahnschrift Light" panose="020B0502040204020203" pitchFamily="34" charset="0"/>
+              </a:rPr>
+              <a:t>Воспроизведение анимации по шагам</a:t>
+            </a:r>
+          </a:p>
+          <a:p>
+            <a:r>
+              <a:rPr lang="ru-RU" sz="2800" dirty="0">
+                <a:latin typeface="Bahnschrift Light" panose="020B0502040204020203" pitchFamily="34" charset="0"/>
+              </a:rPr>
+              <a:t>Изменение скорости анимации</a:t>
+            </a:r>
+            <a:endParaRPr lang="en-US" sz="2800" dirty="0">
+              <a:latin typeface="Bahnschrift Light" panose="020B0502040204020203" pitchFamily="34" charset="0"/>
+            </a:endParaRPr>
+          </a:p>
+          <a:p>
+            <a:r>
+              <a:rPr lang="ru-RU" sz="2800" dirty="0">
+                <a:latin typeface="Bahnschrift Light" panose="020B0502040204020203" pitchFamily="34" charset="0"/>
+              </a:rPr>
+              <a:t>Восстановление стартового состояния камеры</a:t>
             </a:r>
           </a:p>
         </p:txBody>
@@ -8242,7 +8718,7 @@
         </p:spPr>
         <p:txBody>
           <a:bodyPr>
-            <a:normAutofit fontScale="55000" lnSpcReduction="20000"/>
+            <a:normAutofit/>
           </a:bodyPr>
           <a:lstStyle>
             <a:lvl1pPr marL="228600" indent="-228600" algn="l" defTabSz="914400" rtl="0" eaLnBrk="1" latinLnBrk="0" hangingPunct="1">
@@ -8457,15 +8933,42 @@
             <a:pPr marL="0" indent="0">
               <a:buNone/>
             </a:pPr>
-            <a:r>
-              <a:rPr lang="ru-RU" sz="3200" dirty="0">
-                <a:latin typeface="Bahnschrift Light" panose="020B0502040204020203" pitchFamily="34" charset="0"/>
-              </a:rPr>
-              <a:t>Технология (по желанию)</a:t>
-            </a:r>
+            <a:endParaRPr lang="ru-RU" sz="3200" dirty="0">
+              <a:latin typeface="Bahnschrift Light" panose="020B0502040204020203" pitchFamily="34" charset="0"/>
+            </a:endParaRPr>
           </a:p>
         </p:txBody>
       </p:sp>
+      <p:pic>
+        <p:nvPicPr>
+          <p:cNvPr id="3" name="Рисунок 2">
+            <a:extLst>
+              <a:ext uri="{FF2B5EF4-FFF2-40B4-BE49-F238E27FC236}">
+                <a16:creationId xmlns:a16="http://schemas.microsoft.com/office/drawing/2014/main" id="{EACD6A8E-DBC9-4594-9EC0-0EE280A350AB}"/>
+              </a:ext>
+            </a:extLst>
+          </p:cNvPr>
+          <p:cNvPicPr>
+            <a:picLocks noChangeAspect="1"/>
+          </p:cNvPicPr>
+          <p:nvPr/>
+        </p:nvPicPr>
+        <p:blipFill>
+          <a:blip r:embed="rId2"/>
+          <a:stretch>
+            <a:fillRect/>
+          </a:stretch>
+        </p:blipFill>
+        <p:spPr>
+          <a:xfrm>
+            <a:off x="4924338" y="1686878"/>
+            <a:ext cx="7167493" cy="4023856"/>
+          </a:xfrm>
+          <a:prstGeom prst="rect">
+            <a:avLst/>
+          </a:prstGeom>
+        </p:spPr>
+      </p:pic>
     </p:spTree>
     <p:extLst>
       <p:ext uri="{BB962C8B-B14F-4D97-AF65-F5344CB8AC3E}">
